--- a/Presentation1.pptx
+++ b/Presentation1.pptx
@@ -8,6 +8,9 @@
     <p:sldId id="257" r:id="rId2"/>
     <p:sldId id="256" r:id="rId3"/>
     <p:sldId id="258" r:id="rId4"/>
+    <p:sldId id="259" r:id="rId5"/>
+    <p:sldId id="260" r:id="rId6"/>
+    <p:sldId id="261" r:id="rId7"/>
   </p:sldIdLst>
   <p:sldSz cx="12192000" cy="6858000"/>
   <p:notesSz cx="6858000" cy="9144000"/>
@@ -106,6 +109,11 @@
       </a:defRPr>
     </a:lvl9pPr>
   </p:defaultTextStyle>
+  <p:extLst>
+    <p:ext uri="{EFAFB233-063F-42B5-8137-9DF3F51BA10A}">
+      <p15:sldGuideLst xmlns:p15="http://schemas.microsoft.com/office/powerpoint/2012/main"/>
+    </p:ext>
+  </p:extLst>
 </p:presentation>
 </file>
 
@@ -240,7 +248,7 @@
           <a:p>
             <a:fld id="{E738BB45-7E6D-4B52-8D57-D7D3F9E77371}" type="datetimeFigureOut">
               <a:rPr lang="nl-NL" smtClean="0"/>
-              <a:t>12-11-2020</a:t>
+              <a:t>17-11-2020</a:t>
             </a:fld>
             <a:endParaRPr lang="nl-NL"/>
           </a:p>
@@ -410,7 +418,7 @@
           <a:p>
             <a:fld id="{E738BB45-7E6D-4B52-8D57-D7D3F9E77371}" type="datetimeFigureOut">
               <a:rPr lang="nl-NL" smtClean="0"/>
-              <a:t>12-11-2020</a:t>
+              <a:t>17-11-2020</a:t>
             </a:fld>
             <a:endParaRPr lang="nl-NL"/>
           </a:p>
@@ -590,7 +598,7 @@
           <a:p>
             <a:fld id="{E738BB45-7E6D-4B52-8D57-D7D3F9E77371}" type="datetimeFigureOut">
               <a:rPr lang="nl-NL" smtClean="0"/>
-              <a:t>12-11-2020</a:t>
+              <a:t>17-11-2020</a:t>
             </a:fld>
             <a:endParaRPr lang="nl-NL"/>
           </a:p>
@@ -760,7 +768,7 @@
           <a:p>
             <a:fld id="{E738BB45-7E6D-4B52-8D57-D7D3F9E77371}" type="datetimeFigureOut">
               <a:rPr lang="nl-NL" smtClean="0"/>
-              <a:t>12-11-2020</a:t>
+              <a:t>17-11-2020</a:t>
             </a:fld>
             <a:endParaRPr lang="nl-NL"/>
           </a:p>
@@ -1006,7 +1014,7 @@
           <a:p>
             <a:fld id="{E738BB45-7E6D-4B52-8D57-D7D3F9E77371}" type="datetimeFigureOut">
               <a:rPr lang="nl-NL" smtClean="0"/>
-              <a:t>12-11-2020</a:t>
+              <a:t>17-11-2020</a:t>
             </a:fld>
             <a:endParaRPr lang="nl-NL"/>
           </a:p>
@@ -1238,7 +1246,7 @@
           <a:p>
             <a:fld id="{E738BB45-7E6D-4B52-8D57-D7D3F9E77371}" type="datetimeFigureOut">
               <a:rPr lang="nl-NL" smtClean="0"/>
-              <a:t>12-11-2020</a:t>
+              <a:t>17-11-2020</a:t>
             </a:fld>
             <a:endParaRPr lang="nl-NL"/>
           </a:p>
@@ -1605,7 +1613,7 @@
           <a:p>
             <a:fld id="{E738BB45-7E6D-4B52-8D57-D7D3F9E77371}" type="datetimeFigureOut">
               <a:rPr lang="nl-NL" smtClean="0"/>
-              <a:t>12-11-2020</a:t>
+              <a:t>17-11-2020</a:t>
             </a:fld>
             <a:endParaRPr lang="nl-NL"/>
           </a:p>
@@ -1723,7 +1731,7 @@
           <a:p>
             <a:fld id="{E738BB45-7E6D-4B52-8D57-D7D3F9E77371}" type="datetimeFigureOut">
               <a:rPr lang="nl-NL" smtClean="0"/>
-              <a:t>12-11-2020</a:t>
+              <a:t>17-11-2020</a:t>
             </a:fld>
             <a:endParaRPr lang="nl-NL"/>
           </a:p>
@@ -1818,7 +1826,7 @@
           <a:p>
             <a:fld id="{E738BB45-7E6D-4B52-8D57-D7D3F9E77371}" type="datetimeFigureOut">
               <a:rPr lang="nl-NL" smtClean="0"/>
-              <a:t>12-11-2020</a:t>
+              <a:t>17-11-2020</a:t>
             </a:fld>
             <a:endParaRPr lang="nl-NL"/>
           </a:p>
@@ -2095,7 +2103,7 @@
           <a:p>
             <a:fld id="{E738BB45-7E6D-4B52-8D57-D7D3F9E77371}" type="datetimeFigureOut">
               <a:rPr lang="nl-NL" smtClean="0"/>
-              <a:t>12-11-2020</a:t>
+              <a:t>17-11-2020</a:t>
             </a:fld>
             <a:endParaRPr lang="nl-NL"/>
           </a:p>
@@ -2348,7 +2356,7 @@
           <a:p>
             <a:fld id="{E738BB45-7E6D-4B52-8D57-D7D3F9E77371}" type="datetimeFigureOut">
               <a:rPr lang="nl-NL" smtClean="0"/>
-              <a:t>12-11-2020</a:t>
+              <a:t>17-11-2020</a:t>
             </a:fld>
             <a:endParaRPr lang="nl-NL"/>
           </a:p>
@@ -2561,7 +2569,7 @@
           <a:p>
             <a:fld id="{E738BB45-7E6D-4B52-8D57-D7D3F9E77371}" type="datetimeFigureOut">
               <a:rPr lang="nl-NL" smtClean="0"/>
-              <a:t>12-11-2020</a:t>
+              <a:t>17-11-2020</a:t>
             </a:fld>
             <a:endParaRPr lang="nl-NL"/>
           </a:p>
@@ -3184,14 +3192,314 @@
           <a:bodyPr/>
           <a:lstStyle/>
           <a:p>
-            <a:endParaRPr lang="nl-NL"/>
-          </a:p>
-        </p:txBody>
-      </p:sp>
+            <a:endParaRPr lang="nl-NL" dirty="0"/>
+          </a:p>
+        </p:txBody>
+      </p:sp>
+      <p:pic>
+        <p:nvPicPr>
+          <p:cNvPr id="5" name="Picture 4"/>
+          <p:cNvPicPr>
+            <a:picLocks noChangeAspect="1"/>
+          </p:cNvPicPr>
+          <p:nvPr/>
+        </p:nvPicPr>
+        <p:blipFill>
+          <a:blip r:embed="rId2"/>
+          <a:stretch>
+            <a:fillRect/>
+          </a:stretch>
+        </p:blipFill>
+        <p:spPr>
+          <a:xfrm>
+            <a:off x="1362666" y="1219476"/>
+            <a:ext cx="9466667" cy="4419048"/>
+          </a:xfrm>
+          <a:prstGeom prst="rect">
+            <a:avLst/>
+          </a:prstGeom>
+        </p:spPr>
+      </p:pic>
     </p:spTree>
     <p:extLst>
       <p:ext uri="{BB962C8B-B14F-4D97-AF65-F5344CB8AC3E}">
         <p14:creationId xmlns:p14="http://schemas.microsoft.com/office/powerpoint/2010/main" val="1162541530"/>
+      </p:ext>
+    </p:extLst>
+  </p:cSld>
+  <p:clrMapOvr>
+    <a:masterClrMapping/>
+  </p:clrMapOvr>
+</p:sld>
+</file>
+
+<file path=ppt/slides/slide4.xml><?xml version="1.0" encoding="utf-8"?>
+<p:sld xmlns:a="http://schemas.openxmlformats.org/drawingml/2006/main" xmlns:r="http://schemas.openxmlformats.org/officeDocument/2006/relationships" xmlns:p="http://schemas.openxmlformats.org/presentationml/2006/main">
+  <p:cSld>
+    <p:spTree>
+      <p:nvGrpSpPr>
+        <p:cNvPr id="1" name=""/>
+        <p:cNvGrpSpPr/>
+        <p:nvPr/>
+      </p:nvGrpSpPr>
+      <p:grpSpPr>
+        <a:xfrm>
+          <a:off x="0" y="0"/>
+          <a:ext cx="0" cy="0"/>
+          <a:chOff x="0" y="0"/>
+          <a:chExt cx="0" cy="0"/>
+        </a:xfrm>
+      </p:grpSpPr>
+      <p:sp>
+        <p:nvSpPr>
+          <p:cNvPr id="2" name="Title 1"/>
+          <p:cNvSpPr>
+            <a:spLocks noGrp="1"/>
+          </p:cNvSpPr>
+          <p:nvPr>
+            <p:ph type="title"/>
+          </p:nvPr>
+        </p:nvSpPr>
+        <p:spPr/>
+        <p:txBody>
+          <a:bodyPr/>
+          <a:lstStyle/>
+          <a:p>
+            <a:endParaRPr lang="nl-NL"/>
+          </a:p>
+        </p:txBody>
+      </p:sp>
+      <p:sp>
+        <p:nvSpPr>
+          <p:cNvPr id="3" name="Content Placeholder 2"/>
+          <p:cNvSpPr>
+            <a:spLocks noGrp="1"/>
+          </p:cNvSpPr>
+          <p:nvPr>
+            <p:ph idx="1"/>
+          </p:nvPr>
+        </p:nvSpPr>
+        <p:spPr/>
+        <p:txBody>
+          <a:bodyPr/>
+          <a:lstStyle/>
+          <a:p>
+            <a:endParaRPr lang="nl-NL"/>
+          </a:p>
+        </p:txBody>
+      </p:sp>
+      <p:pic>
+        <p:nvPicPr>
+          <p:cNvPr id="4" name="Picture 3"/>
+          <p:cNvPicPr>
+            <a:picLocks noChangeAspect="1"/>
+          </p:cNvPicPr>
+          <p:nvPr/>
+        </p:nvPicPr>
+        <p:blipFill>
+          <a:blip r:embed="rId2"/>
+          <a:stretch>
+            <a:fillRect/>
+          </a:stretch>
+        </p:blipFill>
+        <p:spPr>
+          <a:xfrm>
+            <a:off x="1362666" y="1219476"/>
+            <a:ext cx="9466667" cy="4419048"/>
+          </a:xfrm>
+          <a:prstGeom prst="rect">
+            <a:avLst/>
+          </a:prstGeom>
+        </p:spPr>
+      </p:pic>
+    </p:spTree>
+    <p:extLst>
+      <p:ext uri="{BB962C8B-B14F-4D97-AF65-F5344CB8AC3E}">
+        <p14:creationId xmlns:p14="http://schemas.microsoft.com/office/powerpoint/2010/main" val="848418575"/>
+      </p:ext>
+    </p:extLst>
+  </p:cSld>
+  <p:clrMapOvr>
+    <a:masterClrMapping/>
+  </p:clrMapOvr>
+</p:sld>
+</file>
+
+<file path=ppt/slides/slide5.xml><?xml version="1.0" encoding="utf-8"?>
+<p:sld xmlns:a="http://schemas.openxmlformats.org/drawingml/2006/main" xmlns:r="http://schemas.openxmlformats.org/officeDocument/2006/relationships" xmlns:p="http://schemas.openxmlformats.org/presentationml/2006/main">
+  <p:cSld>
+    <p:spTree>
+      <p:nvGrpSpPr>
+        <p:cNvPr id="1" name=""/>
+        <p:cNvGrpSpPr/>
+        <p:nvPr/>
+      </p:nvGrpSpPr>
+      <p:grpSpPr>
+        <a:xfrm>
+          <a:off x="0" y="0"/>
+          <a:ext cx="0" cy="0"/>
+          <a:chOff x="0" y="0"/>
+          <a:chExt cx="0" cy="0"/>
+        </a:xfrm>
+      </p:grpSpPr>
+      <p:sp>
+        <p:nvSpPr>
+          <p:cNvPr id="2" name="Title 1"/>
+          <p:cNvSpPr>
+            <a:spLocks noGrp="1"/>
+          </p:cNvSpPr>
+          <p:nvPr>
+            <p:ph type="title"/>
+          </p:nvPr>
+        </p:nvSpPr>
+        <p:spPr/>
+        <p:txBody>
+          <a:bodyPr/>
+          <a:lstStyle/>
+          <a:p>
+            <a:endParaRPr lang="nl-NL"/>
+          </a:p>
+        </p:txBody>
+      </p:sp>
+      <p:sp>
+        <p:nvSpPr>
+          <p:cNvPr id="3" name="Content Placeholder 2"/>
+          <p:cNvSpPr>
+            <a:spLocks noGrp="1"/>
+          </p:cNvSpPr>
+          <p:nvPr>
+            <p:ph idx="1"/>
+          </p:nvPr>
+        </p:nvSpPr>
+        <p:spPr/>
+        <p:txBody>
+          <a:bodyPr/>
+          <a:lstStyle/>
+          <a:p>
+            <a:endParaRPr lang="nl-NL"/>
+          </a:p>
+        </p:txBody>
+      </p:sp>
+      <p:pic>
+        <p:nvPicPr>
+          <p:cNvPr id="4" name="Picture 3"/>
+          <p:cNvPicPr>
+            <a:picLocks noChangeAspect="1"/>
+          </p:cNvPicPr>
+          <p:nvPr/>
+        </p:nvPicPr>
+        <p:blipFill>
+          <a:blip r:embed="rId2"/>
+          <a:stretch>
+            <a:fillRect/>
+          </a:stretch>
+        </p:blipFill>
+        <p:spPr>
+          <a:xfrm>
+            <a:off x="1362666" y="1219476"/>
+            <a:ext cx="9466667" cy="4419048"/>
+          </a:xfrm>
+          <a:prstGeom prst="rect">
+            <a:avLst/>
+          </a:prstGeom>
+        </p:spPr>
+      </p:pic>
+    </p:spTree>
+    <p:extLst>
+      <p:ext uri="{BB962C8B-B14F-4D97-AF65-F5344CB8AC3E}">
+        <p14:creationId xmlns:p14="http://schemas.microsoft.com/office/powerpoint/2010/main" val="636089668"/>
+      </p:ext>
+    </p:extLst>
+  </p:cSld>
+  <p:clrMapOvr>
+    <a:masterClrMapping/>
+  </p:clrMapOvr>
+</p:sld>
+</file>
+
+<file path=ppt/slides/slide6.xml><?xml version="1.0" encoding="utf-8"?>
+<p:sld xmlns:a="http://schemas.openxmlformats.org/drawingml/2006/main" xmlns:r="http://schemas.openxmlformats.org/officeDocument/2006/relationships" xmlns:p="http://schemas.openxmlformats.org/presentationml/2006/main">
+  <p:cSld>
+    <p:spTree>
+      <p:nvGrpSpPr>
+        <p:cNvPr id="1" name=""/>
+        <p:cNvGrpSpPr/>
+        <p:nvPr/>
+      </p:nvGrpSpPr>
+      <p:grpSpPr>
+        <a:xfrm>
+          <a:off x="0" y="0"/>
+          <a:ext cx="0" cy="0"/>
+          <a:chOff x="0" y="0"/>
+          <a:chExt cx="0" cy="0"/>
+        </a:xfrm>
+      </p:grpSpPr>
+      <p:sp>
+        <p:nvSpPr>
+          <p:cNvPr id="2" name="Title 1"/>
+          <p:cNvSpPr>
+            <a:spLocks noGrp="1"/>
+          </p:cNvSpPr>
+          <p:nvPr>
+            <p:ph type="title"/>
+          </p:nvPr>
+        </p:nvSpPr>
+        <p:spPr/>
+        <p:txBody>
+          <a:bodyPr/>
+          <a:lstStyle/>
+          <a:p>
+            <a:endParaRPr lang="nl-NL"/>
+          </a:p>
+        </p:txBody>
+      </p:sp>
+      <p:sp>
+        <p:nvSpPr>
+          <p:cNvPr id="3" name="Content Placeholder 2"/>
+          <p:cNvSpPr>
+            <a:spLocks noGrp="1"/>
+          </p:cNvSpPr>
+          <p:nvPr>
+            <p:ph idx="1"/>
+          </p:nvPr>
+        </p:nvSpPr>
+        <p:spPr/>
+        <p:txBody>
+          <a:bodyPr/>
+          <a:lstStyle/>
+          <a:p>
+            <a:endParaRPr lang="nl-NL"/>
+          </a:p>
+        </p:txBody>
+      </p:sp>
+      <p:pic>
+        <p:nvPicPr>
+          <p:cNvPr id="4" name="Picture 3"/>
+          <p:cNvPicPr>
+            <a:picLocks noChangeAspect="1"/>
+          </p:cNvPicPr>
+          <p:nvPr/>
+        </p:nvPicPr>
+        <p:blipFill>
+          <a:blip r:embed="rId2"/>
+          <a:stretch>
+            <a:fillRect/>
+          </a:stretch>
+        </p:blipFill>
+        <p:spPr>
+          <a:xfrm>
+            <a:off x="1362666" y="1219476"/>
+            <a:ext cx="9466667" cy="4419048"/>
+          </a:xfrm>
+          <a:prstGeom prst="rect">
+            <a:avLst/>
+          </a:prstGeom>
+        </p:spPr>
+      </p:pic>
+    </p:spTree>
+    <p:extLst>
+      <p:ext uri="{BB962C8B-B14F-4D97-AF65-F5344CB8AC3E}">
+        <p14:creationId xmlns:p14="http://schemas.microsoft.com/office/powerpoint/2010/main" val="834957974"/>
       </p:ext>
     </p:extLst>
   </p:cSld>
